--- a/src/team-ppt-2.pptx
+++ b/src/team-ppt-2.pptx
@@ -3140,15 +3140,11 @@
           <a:p>
             <a:r>
               <a:rPr lang="en-US" dirty="0" smtClean="0"/>
-              <a:t>By </a:t>
-            </a:r>
-            <a:r>
-              <a:rPr lang="en-US" dirty="0" err="1" smtClean="0"/>
+              <a:t>By Henry and </a:t>
+            </a:r>
+            <a:r>
+              <a:rPr lang="en-US" smtClean="0"/>
               <a:t>Suneel</a:t>
-            </a:r>
-            <a:r>
-              <a:rPr lang="en-US" dirty="0" smtClean="0"/>
-              <a:t> and Henry</a:t>
             </a:r>
             <a:endParaRPr lang="en-US" dirty="0"/>
           </a:p>
